--- a/UML und OOP mit Python.pptx
+++ b/UML und OOP mit Python.pptx
@@ -301,7 +301,7 @@
           <a:p>
             <a:fld id="{EDBEB72E-33EF-4FDE-AF24-3FE480097FCA}" type="datetimeFigureOut">
               <a:rPr lang="de-DE" smtClean="0"/>
-              <a:t>17.04.2024</a:t>
+              <a:t>24.01.2025</a:t>
             </a:fld>
             <a:endParaRPr lang="de-DE"/>
           </a:p>
@@ -499,7 +499,7 @@
           <a:p>
             <a:fld id="{EDBEB72E-33EF-4FDE-AF24-3FE480097FCA}" type="datetimeFigureOut">
               <a:rPr lang="de-DE" smtClean="0"/>
-              <a:t>17.04.2024</a:t>
+              <a:t>24.01.2025</a:t>
             </a:fld>
             <a:endParaRPr lang="de-DE"/>
           </a:p>
@@ -707,7 +707,7 @@
           <a:p>
             <a:fld id="{EDBEB72E-33EF-4FDE-AF24-3FE480097FCA}" type="datetimeFigureOut">
               <a:rPr lang="de-DE" smtClean="0"/>
-              <a:t>17.04.2024</a:t>
+              <a:t>24.01.2025</a:t>
             </a:fld>
             <a:endParaRPr lang="de-DE"/>
           </a:p>
@@ -920,7 +920,7 @@
           <a:p>
             <a:fld id="{EDBEB72E-33EF-4FDE-AF24-3FE480097FCA}" type="datetimeFigureOut">
               <a:rPr lang="de-DE" smtClean="0"/>
-              <a:t>17.04.2024</a:t>
+              <a:t>24.01.2025</a:t>
             </a:fld>
             <a:endParaRPr lang="de-DE"/>
           </a:p>
@@ -1299,7 +1299,7 @@
           <a:p>
             <a:fld id="{EDBEB72E-33EF-4FDE-AF24-3FE480097FCA}" type="datetimeFigureOut">
               <a:rPr lang="de-DE" smtClean="0"/>
-              <a:t>17.04.2024</a:t>
+              <a:t>24.01.2025</a:t>
             </a:fld>
             <a:endParaRPr lang="de-DE"/>
           </a:p>
@@ -1564,7 +1564,7 @@
           <a:p>
             <a:fld id="{EDBEB72E-33EF-4FDE-AF24-3FE480097FCA}" type="datetimeFigureOut">
               <a:rPr lang="de-DE" smtClean="0"/>
-              <a:t>17.04.2024</a:t>
+              <a:t>24.01.2025</a:t>
             </a:fld>
             <a:endParaRPr lang="de-DE"/>
           </a:p>
@@ -1976,7 +1976,7 @@
           <a:p>
             <a:fld id="{EDBEB72E-33EF-4FDE-AF24-3FE480097FCA}" type="datetimeFigureOut">
               <a:rPr lang="de-DE" smtClean="0"/>
-              <a:t>17.04.2024</a:t>
+              <a:t>24.01.2025</a:t>
             </a:fld>
             <a:endParaRPr lang="de-DE"/>
           </a:p>
@@ -2117,7 +2117,7 @@
           <a:p>
             <a:fld id="{EDBEB72E-33EF-4FDE-AF24-3FE480097FCA}" type="datetimeFigureOut">
               <a:rPr lang="de-DE" smtClean="0"/>
-              <a:t>17.04.2024</a:t>
+              <a:t>24.01.2025</a:t>
             </a:fld>
             <a:endParaRPr lang="de-DE"/>
           </a:p>
@@ -2230,7 +2230,7 @@
           <a:p>
             <a:fld id="{EDBEB72E-33EF-4FDE-AF24-3FE480097FCA}" type="datetimeFigureOut">
               <a:rPr lang="de-DE" smtClean="0"/>
-              <a:t>17.04.2024</a:t>
+              <a:t>24.01.2025</a:t>
             </a:fld>
             <a:endParaRPr lang="de-DE"/>
           </a:p>
@@ -2541,7 +2541,7 @@
           <a:p>
             <a:fld id="{EDBEB72E-33EF-4FDE-AF24-3FE480097FCA}" type="datetimeFigureOut">
               <a:rPr lang="de-DE" smtClean="0"/>
-              <a:t>17.04.2024</a:t>
+              <a:t>24.01.2025</a:t>
             </a:fld>
             <a:endParaRPr lang="de-DE"/>
           </a:p>
@@ -2829,7 +2829,7 @@
           <a:p>
             <a:fld id="{EDBEB72E-33EF-4FDE-AF24-3FE480097FCA}" type="datetimeFigureOut">
               <a:rPr lang="de-DE" smtClean="0"/>
-              <a:t>17.04.2024</a:t>
+              <a:t>24.01.2025</a:t>
             </a:fld>
             <a:endParaRPr lang="de-DE"/>
           </a:p>
@@ -3070,7 +3070,7 @@
           <a:p>
             <a:fld id="{EDBEB72E-33EF-4FDE-AF24-3FE480097FCA}" type="datetimeFigureOut">
               <a:rPr lang="de-DE" smtClean="0"/>
-              <a:t>17.04.2024</a:t>
+              <a:t>24.01.2025</a:t>
             </a:fld>
             <a:endParaRPr lang="de-DE"/>
           </a:p>
@@ -13349,32 +13349,49 @@
       </p:sp>
       <p:pic>
         <p:nvPicPr>
-          <p:cNvPr id="5" name="Grafik 4">
-            <a:extLst>
-              <a:ext uri="{FF2B5EF4-FFF2-40B4-BE49-F238E27FC236}">
-                <a16:creationId xmlns:a16="http://schemas.microsoft.com/office/drawing/2014/main" id="{4A26676D-9D36-7EB5-B169-FF0479A8B679}"/>
+          <p:cNvPr id="1026" name="Picture 2">
+            <a:extLst>
+              <a:ext uri="{FF2B5EF4-FFF2-40B4-BE49-F238E27FC236}">
+                <a16:creationId xmlns:a16="http://schemas.microsoft.com/office/drawing/2014/main" id="{7B3AE551-84ED-462D-570D-AB9E32566582}"/>
               </a:ext>
             </a:extLst>
           </p:cNvPr>
           <p:cNvPicPr>
-            <a:picLocks noChangeAspect="1"/>
+            <a:picLocks noChangeAspect="1" noChangeArrowheads="1"/>
           </p:cNvPicPr>
           <p:nvPr/>
         </p:nvPicPr>
         <p:blipFill>
-          <a:blip r:embed="rId2"/>
+          <a:blip r:embed="rId2">
+            <a:extLst>
+              <a:ext uri="{28A0092B-C50C-407E-A947-70E740481C1C}">
+                <a14:useLocalDpi xmlns:a14="http://schemas.microsoft.com/office/drawing/2010/main" val="0"/>
+              </a:ext>
+            </a:extLst>
+          </a:blip>
+          <a:srcRect/>
           <a:stretch>
             <a:fillRect/>
           </a:stretch>
         </p:blipFill>
-        <p:spPr>
+        <p:spPr bwMode="auto">
           <a:xfrm>
-            <a:off x="9107006" y="1947392"/>
-            <a:ext cx="3102939" cy="4628693"/>
+            <a:off x="9263896" y="1842086"/>
+            <a:ext cx="2805555" cy="4655371"/>
           </a:xfrm>
           <a:prstGeom prst="rect">
             <a:avLst/>
           </a:prstGeom>
+          <a:noFill/>
+          <a:extLst>
+            <a:ext uri="{909E8E84-426E-40DD-AFC4-6F175D3DCCD1}">
+              <a14:hiddenFill xmlns:a14="http://schemas.microsoft.com/office/drawing/2010/main">
+                <a:solidFill>
+                  <a:srgbClr val="FFFFFF"/>
+                </a:solidFill>
+              </a14:hiddenFill>
+            </a:ext>
+          </a:extLst>
         </p:spPr>
       </p:pic>
     </p:spTree>
